--- a/TDD Microskills week 3.pptx
+++ b/TDD Microskills week 3.pptx
@@ -3865,9 +3865,6 @@
     <p:sldLayoutId id="2147483656" r:id="rId4"/>
     <p:sldLayoutId id="2147483659" r:id="rId5"/>
   </p:sldLayoutIdLst>
-  <p:transition>
-    <p:fade thruBlk="1"/>
-  </p:transition>
   <p:hf hdr="0" ftr="0" dt="0"/>
   <p:txStyles>
     <p:titleStyle>

--- a/TDD Microskills week 3.pptx
+++ b/TDD Microskills week 3.pptx
@@ -5408,69 +5408,6 @@
         </p:sp>
         <p:sp>
           <p:nvSpPr>
-            <p:cNvPr id="10" name="TextBox 9">
-              <a:extLst>
-                <a:ext uri="{FF2B5EF4-FFF2-40B4-BE49-F238E27FC236}">
-                  <a16:creationId xmlns:a16="http://schemas.microsoft.com/office/drawing/2014/main" id="{C05CF9EB-4A00-C845-A859-FA4CB57EC65B}"/>
-                </a:ext>
-              </a:extLst>
-            </p:cNvPr>
-            <p:cNvSpPr txBox="1"/>
-            <p:nvPr/>
-          </p:nvSpPr>
-          <p:spPr>
-            <a:xfrm>
-              <a:off x="2522261" y="3867149"/>
-              <a:ext cx="914401" cy="369332"/>
-            </a:xfrm>
-            <a:prstGeom prst="rect">
-              <a:avLst/>
-            </a:prstGeom>
-            <a:ln>
-              <a:solidFill>
-                <a:schemeClr val="bg1">
-                  <a:lumMod val="75000"/>
-                </a:schemeClr>
-              </a:solidFill>
-            </a:ln>
-          </p:spPr>
-          <p:style>
-            <a:lnRef idx="2">
-              <a:schemeClr val="accent2"/>
-            </a:lnRef>
-            <a:fillRef idx="1">
-              <a:schemeClr val="lt1"/>
-            </a:fillRef>
-            <a:effectRef idx="0">
-              <a:schemeClr val="accent2"/>
-            </a:effectRef>
-            <a:fontRef idx="minor">
-              <a:schemeClr val="dk1"/>
-            </a:fontRef>
-          </p:style>
-          <p:txBody>
-            <a:bodyPr wrap="square" rtlCol="0">
-              <a:spAutoFit/>
-            </a:bodyPr>
-            <a:lstStyle/>
-            <a:p>
-              <a:r>
-                <a:rPr lang="en-US" sz="1200" dirty="0">
-                  <a:solidFill>
-                    <a:schemeClr val="tx1">
-                      <a:lumMod val="75000"/>
-                      <a:lumOff val="25000"/>
-                    </a:schemeClr>
-                  </a:solidFill>
-                  <a:latin typeface="+mj-lt"/>
-                </a:rPr>
-                <a:t>Result</a:t>
-              </a:r>
-            </a:p>
-          </p:txBody>
-        </p:sp>
-        <p:sp>
-          <p:nvSpPr>
             <p:cNvPr id="11" name="TextBox 10">
               <a:extLst>
                 <a:ext uri="{FF2B5EF4-FFF2-40B4-BE49-F238E27FC236}">
@@ -6596,6 +6533,69 @@
               </a:solidFill>
               <a:latin typeface="+mj-lt"/>
             </a:endParaRPr>
+          </a:p>
+        </p:txBody>
+      </p:sp>
+      <p:sp>
+        <p:nvSpPr>
+          <p:cNvPr id="28" name="TextBox 27">
+            <a:extLst>
+              <a:ext uri="{FF2B5EF4-FFF2-40B4-BE49-F238E27FC236}">
+                <a16:creationId xmlns:a16="http://schemas.microsoft.com/office/drawing/2014/main" id="{A9F2E007-28EB-A503-4733-B18D748FC32F}"/>
+              </a:ext>
+            </a:extLst>
+          </p:cNvPr>
+          <p:cNvSpPr txBox="1"/>
+          <p:nvPr/>
+        </p:nvSpPr>
+        <p:spPr>
+          <a:xfrm>
+            <a:off x="2787926" y="3654981"/>
+            <a:ext cx="977297" cy="276999"/>
+          </a:xfrm>
+          <a:prstGeom prst="rect">
+            <a:avLst/>
+          </a:prstGeom>
+          <a:ln>
+            <a:solidFill>
+              <a:schemeClr val="bg1">
+                <a:lumMod val="75000"/>
+              </a:schemeClr>
+            </a:solidFill>
+          </a:ln>
+        </p:spPr>
+        <p:style>
+          <a:lnRef idx="2">
+            <a:schemeClr val="accent2"/>
+          </a:lnRef>
+          <a:fillRef idx="1">
+            <a:schemeClr val="lt1"/>
+          </a:fillRef>
+          <a:effectRef idx="0">
+            <a:schemeClr val="accent2"/>
+          </a:effectRef>
+          <a:fontRef idx="minor">
+            <a:schemeClr val="dk1"/>
+          </a:fontRef>
+        </p:style>
+        <p:txBody>
+          <a:bodyPr wrap="square" rtlCol="0">
+            <a:spAutoFit/>
+          </a:bodyPr>
+          <a:lstStyle/>
+          <a:p>
+            <a:r>
+              <a:rPr lang="en-US" sz="1200" dirty="0">
+                <a:solidFill>
+                  <a:schemeClr val="tx1">
+                    <a:lumMod val="75000"/>
+                    <a:lumOff val="25000"/>
+                  </a:schemeClr>
+                </a:solidFill>
+                <a:latin typeface="+mj-lt"/>
+              </a:rPr>
+              <a:t>Print Result</a:t>
+            </a:r>
           </a:p>
         </p:txBody>
       </p:sp>
